--- a/Data/diagram.pptx
+++ b/Data/diagram.pptx
@@ -261,7 +261,7 @@
           <a:p>
             <a:fld id="{C7A9FD77-BC61-4EBA-8343-7D70495101BE}" type="datetimeFigureOut">
               <a:rPr lang="en-US" smtClean="0"/>
-              <a:t>1/10/2022</a:t>
+              <a:t>5/2/2022</a:t>
             </a:fld>
             <a:endParaRPr lang="en-US"/>
           </a:p>
@@ -461,7 +461,7 @@
           <a:p>
             <a:fld id="{C7A9FD77-BC61-4EBA-8343-7D70495101BE}" type="datetimeFigureOut">
               <a:rPr lang="en-US" smtClean="0"/>
-              <a:t>1/10/2022</a:t>
+              <a:t>5/2/2022</a:t>
             </a:fld>
             <a:endParaRPr lang="en-US"/>
           </a:p>
@@ -671,7 +671,7 @@
           <a:p>
             <a:fld id="{C7A9FD77-BC61-4EBA-8343-7D70495101BE}" type="datetimeFigureOut">
               <a:rPr lang="en-US" smtClean="0"/>
-              <a:t>1/10/2022</a:t>
+              <a:t>5/2/2022</a:t>
             </a:fld>
             <a:endParaRPr lang="en-US"/>
           </a:p>
@@ -871,7 +871,7 @@
           <a:p>
             <a:fld id="{C7A9FD77-BC61-4EBA-8343-7D70495101BE}" type="datetimeFigureOut">
               <a:rPr lang="en-US" smtClean="0"/>
-              <a:t>1/10/2022</a:t>
+              <a:t>5/2/2022</a:t>
             </a:fld>
             <a:endParaRPr lang="en-US"/>
           </a:p>
@@ -1147,7 +1147,7 @@
           <a:p>
             <a:fld id="{C7A9FD77-BC61-4EBA-8343-7D70495101BE}" type="datetimeFigureOut">
               <a:rPr lang="en-US" smtClean="0"/>
-              <a:t>1/10/2022</a:t>
+              <a:t>5/2/2022</a:t>
             </a:fld>
             <a:endParaRPr lang="en-US"/>
           </a:p>
@@ -1415,7 +1415,7 @@
           <a:p>
             <a:fld id="{C7A9FD77-BC61-4EBA-8343-7D70495101BE}" type="datetimeFigureOut">
               <a:rPr lang="en-US" smtClean="0"/>
-              <a:t>1/10/2022</a:t>
+              <a:t>5/2/2022</a:t>
             </a:fld>
             <a:endParaRPr lang="en-US"/>
           </a:p>
@@ -1830,7 +1830,7 @@
           <a:p>
             <a:fld id="{C7A9FD77-BC61-4EBA-8343-7D70495101BE}" type="datetimeFigureOut">
               <a:rPr lang="en-US" smtClean="0"/>
-              <a:t>1/10/2022</a:t>
+              <a:t>5/2/2022</a:t>
             </a:fld>
             <a:endParaRPr lang="en-US"/>
           </a:p>
@@ -1972,7 +1972,7 @@
           <a:p>
             <a:fld id="{C7A9FD77-BC61-4EBA-8343-7D70495101BE}" type="datetimeFigureOut">
               <a:rPr lang="en-US" smtClean="0"/>
-              <a:t>1/10/2022</a:t>
+              <a:t>5/2/2022</a:t>
             </a:fld>
             <a:endParaRPr lang="en-US"/>
           </a:p>
@@ -2085,7 +2085,7 @@
           <a:p>
             <a:fld id="{C7A9FD77-BC61-4EBA-8343-7D70495101BE}" type="datetimeFigureOut">
               <a:rPr lang="en-US" smtClean="0"/>
-              <a:t>1/10/2022</a:t>
+              <a:t>5/2/2022</a:t>
             </a:fld>
             <a:endParaRPr lang="en-US"/>
           </a:p>
@@ -2398,7 +2398,7 @@
           <a:p>
             <a:fld id="{C7A9FD77-BC61-4EBA-8343-7D70495101BE}" type="datetimeFigureOut">
               <a:rPr lang="en-US" smtClean="0"/>
-              <a:t>1/10/2022</a:t>
+              <a:t>5/2/2022</a:t>
             </a:fld>
             <a:endParaRPr lang="en-US"/>
           </a:p>
@@ -2687,7 +2687,7 @@
           <a:p>
             <a:fld id="{C7A9FD77-BC61-4EBA-8343-7D70495101BE}" type="datetimeFigureOut">
               <a:rPr lang="en-US" smtClean="0"/>
-              <a:t>1/10/2022</a:t>
+              <a:t>5/2/2022</a:t>
             </a:fld>
             <a:endParaRPr lang="en-US"/>
           </a:p>
@@ -2930,7 +2930,7 @@
           <a:p>
             <a:fld id="{C7A9FD77-BC61-4EBA-8343-7D70495101BE}" type="datetimeFigureOut">
               <a:rPr lang="en-US" smtClean="0"/>
-              <a:t>1/10/2022</a:t>
+              <a:t>5/2/2022</a:t>
             </a:fld>
             <a:endParaRPr lang="en-US"/>
           </a:p>
@@ -3590,44 +3590,6 @@
       </p:cxnSp>
       <p:cxnSp>
         <p:nvCxnSpPr>
-          <p:cNvPr id="17" name="Connecteur droit 16">
-            <a:extLst>
-              <a:ext uri="{FF2B5EF4-FFF2-40B4-BE49-F238E27FC236}">
-                <a16:creationId xmlns:a16="http://schemas.microsoft.com/office/drawing/2014/main" id="{224B0F83-0E64-4BA1-A7DB-B5BEE7634C22}"/>
-              </a:ext>
-            </a:extLst>
-          </p:cNvPr>
-          <p:cNvCxnSpPr>
-            <a:cxnSpLocks/>
-          </p:cNvCxnSpPr>
-          <p:nvPr/>
-        </p:nvCxnSpPr>
-        <p:spPr>
-          <a:xfrm>
-            <a:off x="5652117" y="4274599"/>
-            <a:ext cx="2737280" cy="164233"/>
-          </a:xfrm>
-          <a:prstGeom prst="line">
-            <a:avLst/>
-          </a:prstGeom>
-        </p:spPr>
-        <p:style>
-          <a:lnRef idx="3">
-            <a:schemeClr val="dk1"/>
-          </a:lnRef>
-          <a:fillRef idx="0">
-            <a:schemeClr val="dk1"/>
-          </a:fillRef>
-          <a:effectRef idx="2">
-            <a:schemeClr val="dk1"/>
-          </a:effectRef>
-          <a:fontRef idx="minor">
-            <a:schemeClr val="tx1"/>
-          </a:fontRef>
-        </p:style>
-      </p:cxnSp>
-      <p:cxnSp>
-        <p:nvCxnSpPr>
           <p:cNvPr id="19" name="Connecteur droit 18">
             <a:extLst>
               <a:ext uri="{FF2B5EF4-FFF2-40B4-BE49-F238E27FC236}">
@@ -3769,8 +3731,8 @@
           <a:lstStyle/>
           <a:p>
             <a:r>
-              <a:rPr lang="fr-BE" sz="1000" dirty="0"/>
-              <a:t>pharynx</a:t>
+              <a:rPr lang="fr-BE" sz="1000" dirty="0" err="1"/>
+              <a:t>trachea</a:t>
             </a:r>
             <a:endParaRPr lang="en-US" sz="1000" dirty="0"/>
           </a:p>
@@ -3922,10 +3884,10 @@
       </p:sp>
       <p:sp>
         <p:nvSpPr>
-          <p:cNvPr id="37" name="ZoneTexte 36">
-            <a:extLst>
-              <a:ext uri="{FF2B5EF4-FFF2-40B4-BE49-F238E27FC236}">
-                <a16:creationId xmlns:a16="http://schemas.microsoft.com/office/drawing/2014/main" id="{4EBCADBF-C4CE-417D-84E0-00226F1F52AE}"/>
+          <p:cNvPr id="38" name="ZoneTexte 37">
+            <a:extLst>
+              <a:ext uri="{FF2B5EF4-FFF2-40B4-BE49-F238E27FC236}">
+                <a16:creationId xmlns:a16="http://schemas.microsoft.com/office/drawing/2014/main" id="{65DA917B-ECC4-4666-BB3F-4F470FCA54D3}"/>
               </a:ext>
             </a:extLst>
           </p:cNvPr>
@@ -3934,7 +3896,7 @@
         </p:nvSpPr>
         <p:spPr>
           <a:xfrm>
-            <a:off x="5337113" y="4155676"/>
+            <a:off x="4495015" y="4289812"/>
             <a:ext cx="288913" cy="276999"/>
           </a:xfrm>
           <a:prstGeom prst="rect">
@@ -3958,10 +3920,10 @@
       </p:sp>
       <p:sp>
         <p:nvSpPr>
-          <p:cNvPr id="38" name="ZoneTexte 37">
-            <a:extLst>
-              <a:ext uri="{FF2B5EF4-FFF2-40B4-BE49-F238E27FC236}">
-                <a16:creationId xmlns:a16="http://schemas.microsoft.com/office/drawing/2014/main" id="{65DA917B-ECC4-4666-BB3F-4F470FCA54D3}"/>
+          <p:cNvPr id="39" name="ZoneTexte 38">
+            <a:extLst>
+              <a:ext uri="{FF2B5EF4-FFF2-40B4-BE49-F238E27FC236}">
+                <a16:creationId xmlns:a16="http://schemas.microsoft.com/office/drawing/2014/main" id="{757D74C7-4F4A-49BA-9908-DBCB670C3BBE}"/>
               </a:ext>
             </a:extLst>
           </p:cNvPr>
@@ -3970,7 +3932,7 @@
         </p:nvSpPr>
         <p:spPr>
           <a:xfrm>
-            <a:off x="4495015" y="4289812"/>
+            <a:off x="4908454" y="4525712"/>
             <a:ext cx="288913" cy="276999"/>
           </a:xfrm>
           <a:prstGeom prst="rect">
@@ -3994,10 +3956,10 @@
       </p:sp>
       <p:sp>
         <p:nvSpPr>
-          <p:cNvPr id="39" name="ZoneTexte 38">
-            <a:extLst>
-              <a:ext uri="{FF2B5EF4-FFF2-40B4-BE49-F238E27FC236}">
-                <a16:creationId xmlns:a16="http://schemas.microsoft.com/office/drawing/2014/main" id="{757D74C7-4F4A-49BA-9908-DBCB670C3BBE}"/>
+          <p:cNvPr id="40" name="ZoneTexte 39">
+            <a:extLst>
+              <a:ext uri="{FF2B5EF4-FFF2-40B4-BE49-F238E27FC236}">
+                <a16:creationId xmlns:a16="http://schemas.microsoft.com/office/drawing/2014/main" id="{31337758-B0A3-4D55-A669-9AF9A400C06D}"/>
               </a:ext>
             </a:extLst>
           </p:cNvPr>
@@ -4006,7 +3968,7 @@
         </p:nvSpPr>
         <p:spPr>
           <a:xfrm>
-            <a:off x="4908454" y="4525712"/>
+            <a:off x="4839966" y="4006998"/>
             <a:ext cx="288913" cy="276999"/>
           </a:xfrm>
           <a:prstGeom prst="rect">
@@ -4030,10 +3992,10 @@
       </p:sp>
       <p:sp>
         <p:nvSpPr>
-          <p:cNvPr id="40" name="ZoneTexte 39">
-            <a:extLst>
-              <a:ext uri="{FF2B5EF4-FFF2-40B4-BE49-F238E27FC236}">
-                <a16:creationId xmlns:a16="http://schemas.microsoft.com/office/drawing/2014/main" id="{31337758-B0A3-4D55-A669-9AF9A400C06D}"/>
+          <p:cNvPr id="41" name="ZoneTexte 40">
+            <a:extLst>
+              <a:ext uri="{FF2B5EF4-FFF2-40B4-BE49-F238E27FC236}">
+                <a16:creationId xmlns:a16="http://schemas.microsoft.com/office/drawing/2014/main" id="{E75D274E-DF76-4933-A3D4-448CE051D231}"/>
               </a:ext>
             </a:extLst>
           </p:cNvPr>
@@ -4042,7 +4004,7 @@
         </p:nvSpPr>
         <p:spPr>
           <a:xfrm>
-            <a:off x="4839966" y="4006998"/>
+            <a:off x="5013627" y="3472124"/>
             <a:ext cx="288913" cy="276999"/>
           </a:xfrm>
           <a:prstGeom prst="rect">
@@ -4058,7 +4020,7 @@
           <a:p>
             <a:r>
               <a:rPr lang="fr-BE" sz="1200" b="1" dirty="0"/>
-              <a:t>7</a:t>
+              <a:t>6</a:t>
             </a:r>
             <a:endParaRPr lang="en-US" sz="1200" b="1" dirty="0"/>
           </a:p>
@@ -4066,10 +4028,10 @@
       </p:sp>
       <p:sp>
         <p:nvSpPr>
-          <p:cNvPr id="41" name="ZoneTexte 40">
-            <a:extLst>
-              <a:ext uri="{FF2B5EF4-FFF2-40B4-BE49-F238E27FC236}">
-                <a16:creationId xmlns:a16="http://schemas.microsoft.com/office/drawing/2014/main" id="{E75D274E-DF76-4933-A3D4-448CE051D231}"/>
+          <p:cNvPr id="42" name="ZoneTexte 41">
+            <a:extLst>
+              <a:ext uri="{FF2B5EF4-FFF2-40B4-BE49-F238E27FC236}">
+                <a16:creationId xmlns:a16="http://schemas.microsoft.com/office/drawing/2014/main" id="{3567B10D-012B-4F70-AF3B-539A0FC34A20}"/>
               </a:ext>
             </a:extLst>
           </p:cNvPr>
@@ -4078,43 +4040,7 @@
         </p:nvSpPr>
         <p:spPr>
           <a:xfrm>
-            <a:off x="5013627" y="3472124"/>
-            <a:ext cx="288913" cy="276999"/>
-          </a:xfrm>
-          <a:prstGeom prst="rect">
-            <a:avLst/>
-          </a:prstGeom>
-          <a:noFill/>
-        </p:spPr>
-        <p:txBody>
-          <a:bodyPr wrap="square" rtlCol="0">
-            <a:spAutoFit/>
-          </a:bodyPr>
-          <a:lstStyle/>
-          <a:p>
-            <a:r>
-              <a:rPr lang="fr-BE" sz="1200" b="1" dirty="0"/>
-              <a:t>8</a:t>
-            </a:r>
-            <a:endParaRPr lang="en-US" sz="1200" b="1" dirty="0"/>
-          </a:p>
-        </p:txBody>
-      </p:sp>
-      <p:sp>
-        <p:nvSpPr>
-          <p:cNvPr id="42" name="ZoneTexte 41">
-            <a:extLst>
-              <a:ext uri="{FF2B5EF4-FFF2-40B4-BE49-F238E27FC236}">
-                <a16:creationId xmlns:a16="http://schemas.microsoft.com/office/drawing/2014/main" id="{3567B10D-012B-4F70-AF3B-539A0FC34A20}"/>
-              </a:ext>
-            </a:extLst>
-          </p:cNvPr>
-          <p:cNvSpPr txBox="1"/>
-          <p:nvPr/>
-        </p:nvSpPr>
-        <p:spPr>
-          <a:xfrm>
-            <a:off x="10151732" y="4161833"/>
+            <a:off x="8432997" y="4207915"/>
             <a:ext cx="1334998" cy="276999"/>
           </a:xfrm>
           <a:prstGeom prst="rect">
@@ -4134,7 +4060,7 @@
                   <a:srgbClr val="FF0000"/>
                 </a:solidFill>
               </a:rPr>
-              <a:t>9 -  </a:t>
+              <a:t>7 -  </a:t>
             </a:r>
             <a:r>
               <a:rPr lang="fr-BE" sz="1200" b="1" dirty="0" err="1">
@@ -4271,7 +4197,15 @@
           <a:p>
             <a:r>
               <a:rPr lang="fr-BE" sz="1200" b="1" dirty="0"/>
-              <a:t>3 -  large </a:t>
+              <a:t>3 -  </a:t>
+            </a:r>
+            <a:r>
+              <a:rPr lang="fr-BE" sz="1200" b="1" dirty="0" err="1"/>
+              <a:t>great</a:t>
+            </a:r>
+            <a:r>
+              <a:rPr lang="fr-BE" sz="1200" b="1" dirty="0"/>
+              <a:t> </a:t>
             </a:r>
             <a:r>
               <a:rPr lang="fr-BE" sz="1200" b="1" dirty="0" err="1"/>
@@ -4283,10 +4217,10 @@
       </p:sp>
       <p:sp>
         <p:nvSpPr>
-          <p:cNvPr id="48" name="ZoneTexte 47">
-            <a:extLst>
-              <a:ext uri="{FF2B5EF4-FFF2-40B4-BE49-F238E27FC236}">
-                <a16:creationId xmlns:a16="http://schemas.microsoft.com/office/drawing/2014/main" id="{B5251DBB-EE43-424E-BAD4-FFB147812836}"/>
+          <p:cNvPr id="49" name="ZoneTexte 48">
+            <a:extLst>
+              <a:ext uri="{FF2B5EF4-FFF2-40B4-BE49-F238E27FC236}">
+                <a16:creationId xmlns:a16="http://schemas.microsoft.com/office/drawing/2014/main" id="{8E1F9E97-8193-41EC-B0C2-5B0FA0CB29A2}"/>
               </a:ext>
             </a:extLst>
           </p:cNvPr>
@@ -4295,8 +4229,8 @@
         </p:nvSpPr>
         <p:spPr>
           <a:xfrm>
-            <a:off x="8442665" y="4171611"/>
-            <a:ext cx="1334998" cy="276999"/>
+            <a:off x="780916" y="4305505"/>
+            <a:ext cx="1594661" cy="276999"/>
           </a:xfrm>
           <a:prstGeom prst="rect">
             <a:avLst/>
@@ -4311,15 +4245,7 @@
           <a:p>
             <a:r>
               <a:rPr lang="fr-BE" sz="1200" b="1" dirty="0"/>
-              <a:t>4 – </a:t>
-            </a:r>
-            <a:r>
-              <a:rPr lang="fr-BE" sz="1200" b="1" dirty="0" err="1"/>
-              <a:t>lower</a:t>
-            </a:r>
-            <a:r>
-              <a:rPr lang="fr-BE" sz="1200" b="1" dirty="0"/>
-              <a:t> body</a:t>
+              <a:t>4 – pylore/antrum</a:t>
             </a:r>
             <a:endParaRPr lang="en-US" sz="1200" b="1" dirty="0"/>
           </a:p>
@@ -4327,10 +4253,10 @@
       </p:sp>
       <p:sp>
         <p:nvSpPr>
-          <p:cNvPr id="49" name="ZoneTexte 48">
-            <a:extLst>
-              <a:ext uri="{FF2B5EF4-FFF2-40B4-BE49-F238E27FC236}">
-                <a16:creationId xmlns:a16="http://schemas.microsoft.com/office/drawing/2014/main" id="{8E1F9E97-8193-41EC-B0C2-5B0FA0CB29A2}"/>
+          <p:cNvPr id="50" name="ZoneTexte 49">
+            <a:extLst>
+              <a:ext uri="{FF2B5EF4-FFF2-40B4-BE49-F238E27FC236}">
+                <a16:creationId xmlns:a16="http://schemas.microsoft.com/office/drawing/2014/main" id="{A4A67ABC-D630-48C2-A5F1-058C4AAB9D9E}"/>
               </a:ext>
             </a:extLst>
           </p:cNvPr>
@@ -4339,8 +4265,8 @@
         </p:nvSpPr>
         <p:spPr>
           <a:xfrm>
-            <a:off x="1011571" y="4303212"/>
-            <a:ext cx="1334998" cy="276999"/>
+            <a:off x="6992134" y="4553613"/>
+            <a:ext cx="747661" cy="276999"/>
           </a:xfrm>
           <a:prstGeom prst="rect">
             <a:avLst/>
@@ -4355,7 +4281,7 @@
           <a:p>
             <a:r>
               <a:rPr lang="fr-BE" sz="1200" b="1" dirty="0"/>
-              <a:t>5 - antrum</a:t>
+              <a:t>5 - angle</a:t>
             </a:r>
             <a:endParaRPr lang="en-US" sz="1200" b="1" dirty="0"/>
           </a:p>
@@ -4363,10 +4289,10 @@
       </p:sp>
       <p:sp>
         <p:nvSpPr>
-          <p:cNvPr id="50" name="ZoneTexte 49">
-            <a:extLst>
-              <a:ext uri="{FF2B5EF4-FFF2-40B4-BE49-F238E27FC236}">
-                <a16:creationId xmlns:a16="http://schemas.microsoft.com/office/drawing/2014/main" id="{A4A67ABC-D630-48C2-A5F1-058C4AAB9D9E}"/>
+          <p:cNvPr id="51" name="ZoneTexte 50">
+            <a:extLst>
+              <a:ext uri="{FF2B5EF4-FFF2-40B4-BE49-F238E27FC236}">
+                <a16:creationId xmlns:a16="http://schemas.microsoft.com/office/drawing/2014/main" id="{1B133BD7-79B6-4F78-BB45-7699F79780BB}"/>
               </a:ext>
             </a:extLst>
           </p:cNvPr>
@@ -4375,8 +4301,8 @@
         </p:nvSpPr>
         <p:spPr>
           <a:xfrm>
-            <a:off x="6992134" y="4553613"/>
-            <a:ext cx="747661" cy="276999"/>
+            <a:off x="780916" y="3466710"/>
+            <a:ext cx="1681939" cy="461665"/>
           </a:xfrm>
           <a:prstGeom prst="rect">
             <a:avLst/>
@@ -4389,9 +4315,38 @@
           </a:bodyPr>
           <a:lstStyle/>
           <a:p>
+            <a:pPr algn="ctr"/>
             <a:r>
               <a:rPr lang="fr-BE" sz="1200" b="1" dirty="0"/>
-              <a:t>6 - angle</a:t>
+              <a:t>6 – middle-</a:t>
+            </a:r>
+            <a:r>
+              <a:rPr lang="fr-BE" sz="1200" b="1" dirty="0" err="1"/>
+              <a:t>upper</a:t>
+            </a:r>
+            <a:r>
+              <a:rPr lang="fr-BE" sz="1200" b="1" dirty="0"/>
+              <a:t> body </a:t>
+            </a:r>
+            <a:r>
+              <a:rPr lang="fr-BE" sz="1200" b="1" dirty="0" err="1"/>
+              <a:t>with</a:t>
+            </a:r>
+            <a:r>
+              <a:rPr lang="fr-BE" sz="1200" b="1" dirty="0"/>
+              <a:t> </a:t>
+            </a:r>
+            <a:r>
+              <a:rPr lang="fr-BE" sz="1200" b="1" dirty="0" err="1"/>
+              <a:t>retroflex</a:t>
+            </a:r>
+            <a:r>
+              <a:rPr lang="fr-BE" sz="1200" b="1" dirty="0"/>
+              <a:t> </a:t>
+            </a:r>
+            <a:r>
+              <a:rPr lang="fr-BE" sz="1200" b="1" dirty="0" err="1"/>
+              <a:t>view</a:t>
             </a:r>
             <a:endParaRPr lang="en-US" sz="1200" b="1" dirty="0"/>
           </a:p>
@@ -4399,10 +4354,10 @@
       </p:sp>
       <p:sp>
         <p:nvSpPr>
-          <p:cNvPr id="51" name="ZoneTexte 50">
-            <a:extLst>
-              <a:ext uri="{FF2B5EF4-FFF2-40B4-BE49-F238E27FC236}">
-                <a16:creationId xmlns:a16="http://schemas.microsoft.com/office/drawing/2014/main" id="{1B133BD7-79B6-4F78-BB45-7699F79780BB}"/>
+          <p:cNvPr id="52" name="ZoneTexte 51">
+            <a:extLst>
+              <a:ext uri="{FF2B5EF4-FFF2-40B4-BE49-F238E27FC236}">
+                <a16:creationId xmlns:a16="http://schemas.microsoft.com/office/drawing/2014/main" id="{C344C930-A600-41B5-9700-43AC360FEC2C}"/>
               </a:ext>
             </a:extLst>
           </p:cNvPr>
@@ -4411,7 +4366,7 @@
         </p:nvSpPr>
         <p:spPr>
           <a:xfrm>
-            <a:off x="780916" y="3466710"/>
+            <a:off x="6524994" y="3178711"/>
             <a:ext cx="1681939" cy="461665"/>
           </a:xfrm>
           <a:prstGeom prst="rect">
@@ -4428,15 +4383,7 @@
             <a:pPr algn="ctr"/>
             <a:r>
               <a:rPr lang="fr-BE" sz="1200" b="1" dirty="0"/>
-              <a:t>7 – middle-</a:t>
-            </a:r>
-            <a:r>
-              <a:rPr lang="fr-BE" sz="1200" b="1" dirty="0" err="1"/>
-              <a:t>upper</a:t>
-            </a:r>
-            <a:r>
-              <a:rPr lang="fr-BE" sz="1200" b="1" dirty="0"/>
-              <a:t> body </a:t>
+              <a:t>6 – fundus </a:t>
             </a:r>
             <a:r>
               <a:rPr lang="fr-BE" sz="1200" b="1" dirty="0" err="1"/>
@@ -4448,7 +4395,7 @@
             </a:r>
             <a:r>
               <a:rPr lang="fr-BE" sz="1200" b="1" dirty="0" err="1"/>
-              <a:t>retroflew</a:t>
+              <a:t>retroflex</a:t>
             </a:r>
             <a:r>
               <a:rPr lang="fr-BE" sz="1200" b="1" dirty="0"/>
@@ -4462,60 +4409,87 @@
           </a:p>
         </p:txBody>
       </p:sp>
-      <p:sp>
-        <p:nvSpPr>
-          <p:cNvPr id="52" name="ZoneTexte 51">
-            <a:extLst>
-              <a:ext uri="{FF2B5EF4-FFF2-40B4-BE49-F238E27FC236}">
-                <a16:creationId xmlns:a16="http://schemas.microsoft.com/office/drawing/2014/main" id="{C344C930-A600-41B5-9700-43AC360FEC2C}"/>
-              </a:ext>
-            </a:extLst>
-          </p:cNvPr>
-          <p:cNvSpPr txBox="1"/>
+      <p:pic>
+        <p:nvPicPr>
+          <p:cNvPr id="7" name="Image 6">
+            <a:extLst>
+              <a:ext uri="{FF2B5EF4-FFF2-40B4-BE49-F238E27FC236}">
+                <a16:creationId xmlns:a16="http://schemas.microsoft.com/office/drawing/2014/main" id="{29C959F9-B5AA-4522-96C8-F1A307EA2342}"/>
+              </a:ext>
+            </a:extLst>
+          </p:cNvPr>
+          <p:cNvPicPr>
+            <a:picLocks noChangeAspect="1"/>
+          </p:cNvPicPr>
           <p:nvPr/>
-        </p:nvSpPr>
+        </p:nvPicPr>
+        <p:blipFill>
+          <a:blip r:embed="rId3"/>
+          <a:stretch>
+            <a:fillRect/>
+          </a:stretch>
+        </p:blipFill>
         <p:spPr>
           <a:xfrm>
-            <a:off x="6524994" y="3178711"/>
-            <a:ext cx="1681939" cy="461665"/>
+            <a:off x="8479652" y="4430764"/>
+            <a:ext cx="1054910" cy="1741323"/>
           </a:xfrm>
           <a:prstGeom prst="rect">
             <a:avLst/>
           </a:prstGeom>
-          <a:noFill/>
-        </p:spPr>
-        <p:txBody>
-          <a:bodyPr wrap="square" rtlCol="0">
-            <a:spAutoFit/>
-          </a:bodyPr>
+        </p:spPr>
+      </p:pic>
+      <p:sp>
+        <p:nvSpPr>
+          <p:cNvPr id="9" name="Rectangle 8">
+            <a:extLst>
+              <a:ext uri="{FF2B5EF4-FFF2-40B4-BE49-F238E27FC236}">
+                <a16:creationId xmlns:a16="http://schemas.microsoft.com/office/drawing/2014/main" id="{CC732F1A-B43B-4EDC-AF05-6828A8240E63}"/>
+              </a:ext>
+            </a:extLst>
+          </p:cNvPr>
+          <p:cNvSpPr/>
+          <p:nvPr/>
+        </p:nvSpPr>
+        <p:spPr>
+          <a:xfrm>
+            <a:off x="10116260" y="4006998"/>
+            <a:ext cx="1213069" cy="2253843"/>
+          </a:xfrm>
+          <a:prstGeom prst="rect">
+            <a:avLst/>
+          </a:prstGeom>
+          <a:solidFill>
+            <a:schemeClr val="bg1"/>
+          </a:solidFill>
+          <a:ln>
+            <a:solidFill>
+              <a:schemeClr val="bg1"/>
+            </a:solidFill>
+          </a:ln>
+        </p:spPr>
+        <p:style>
+          <a:lnRef idx="2">
+            <a:schemeClr val="accent1">
+              <a:shade val="50000"/>
+            </a:schemeClr>
+          </a:lnRef>
+          <a:fillRef idx="1">
+            <a:schemeClr val="accent1"/>
+          </a:fillRef>
+          <a:effectRef idx="0">
+            <a:schemeClr val="accent1"/>
+          </a:effectRef>
+          <a:fontRef idx="minor">
+            <a:schemeClr val="lt1"/>
+          </a:fontRef>
+        </p:style>
+        <p:txBody>
+          <a:bodyPr rtlCol="0" anchor="ctr"/>
           <a:lstStyle/>
           <a:p>
             <a:pPr algn="ctr"/>
-            <a:r>
-              <a:rPr lang="fr-BE" sz="1200" b="1" dirty="0"/>
-              <a:t>8 – fundus </a:t>
-            </a:r>
-            <a:r>
-              <a:rPr lang="fr-BE" sz="1200" b="1" dirty="0" err="1"/>
-              <a:t>with</a:t>
-            </a:r>
-            <a:r>
-              <a:rPr lang="fr-BE" sz="1200" b="1" dirty="0"/>
-              <a:t> </a:t>
-            </a:r>
-            <a:r>
-              <a:rPr lang="fr-BE" sz="1200" b="1" dirty="0" err="1"/>
-              <a:t>retroflew</a:t>
-            </a:r>
-            <a:r>
-              <a:rPr lang="fr-BE" sz="1200" b="1" dirty="0"/>
-              <a:t> </a:t>
-            </a:r>
-            <a:r>
-              <a:rPr lang="fr-BE" sz="1200" b="1" dirty="0" err="1"/>
-              <a:t>view</a:t>
-            </a:r>
-            <a:endParaRPr lang="en-US" sz="1200" b="1" dirty="0"/>
+            <a:endParaRPr lang="en-US"/>
           </a:p>
         </p:txBody>
       </p:sp>

--- a/Data/diagram.pptx
+++ b/Data/diagram.pptx
@@ -261,7 +261,7 @@
           <a:p>
             <a:fld id="{C7A9FD77-BC61-4EBA-8343-7D70495101BE}" type="datetimeFigureOut">
               <a:rPr lang="en-US" smtClean="0"/>
-              <a:t>5/2/2022</a:t>
+              <a:t>5/3/2022</a:t>
             </a:fld>
             <a:endParaRPr lang="en-US"/>
           </a:p>
@@ -461,7 +461,7 @@
           <a:p>
             <a:fld id="{C7A9FD77-BC61-4EBA-8343-7D70495101BE}" type="datetimeFigureOut">
               <a:rPr lang="en-US" smtClean="0"/>
-              <a:t>5/2/2022</a:t>
+              <a:t>5/3/2022</a:t>
             </a:fld>
             <a:endParaRPr lang="en-US"/>
           </a:p>
@@ -671,7 +671,7 @@
           <a:p>
             <a:fld id="{C7A9FD77-BC61-4EBA-8343-7D70495101BE}" type="datetimeFigureOut">
               <a:rPr lang="en-US" smtClean="0"/>
-              <a:t>5/2/2022</a:t>
+              <a:t>5/3/2022</a:t>
             </a:fld>
             <a:endParaRPr lang="en-US"/>
           </a:p>
@@ -871,7 +871,7 @@
           <a:p>
             <a:fld id="{C7A9FD77-BC61-4EBA-8343-7D70495101BE}" type="datetimeFigureOut">
               <a:rPr lang="en-US" smtClean="0"/>
-              <a:t>5/2/2022</a:t>
+              <a:t>5/3/2022</a:t>
             </a:fld>
             <a:endParaRPr lang="en-US"/>
           </a:p>
@@ -1147,7 +1147,7 @@
           <a:p>
             <a:fld id="{C7A9FD77-BC61-4EBA-8343-7D70495101BE}" type="datetimeFigureOut">
               <a:rPr lang="en-US" smtClean="0"/>
-              <a:t>5/2/2022</a:t>
+              <a:t>5/3/2022</a:t>
             </a:fld>
             <a:endParaRPr lang="en-US"/>
           </a:p>
@@ -1415,7 +1415,7 @@
           <a:p>
             <a:fld id="{C7A9FD77-BC61-4EBA-8343-7D70495101BE}" type="datetimeFigureOut">
               <a:rPr lang="en-US" smtClean="0"/>
-              <a:t>5/2/2022</a:t>
+              <a:t>5/3/2022</a:t>
             </a:fld>
             <a:endParaRPr lang="en-US"/>
           </a:p>
@@ -1830,7 +1830,7 @@
           <a:p>
             <a:fld id="{C7A9FD77-BC61-4EBA-8343-7D70495101BE}" type="datetimeFigureOut">
               <a:rPr lang="en-US" smtClean="0"/>
-              <a:t>5/2/2022</a:t>
+              <a:t>5/3/2022</a:t>
             </a:fld>
             <a:endParaRPr lang="en-US"/>
           </a:p>
@@ -1972,7 +1972,7 @@
           <a:p>
             <a:fld id="{C7A9FD77-BC61-4EBA-8343-7D70495101BE}" type="datetimeFigureOut">
               <a:rPr lang="en-US" smtClean="0"/>
-              <a:t>5/2/2022</a:t>
+              <a:t>5/3/2022</a:t>
             </a:fld>
             <a:endParaRPr lang="en-US"/>
           </a:p>
@@ -2085,7 +2085,7 @@
           <a:p>
             <a:fld id="{C7A9FD77-BC61-4EBA-8343-7D70495101BE}" type="datetimeFigureOut">
               <a:rPr lang="en-US" smtClean="0"/>
-              <a:t>5/2/2022</a:t>
+              <a:t>5/3/2022</a:t>
             </a:fld>
             <a:endParaRPr lang="en-US"/>
           </a:p>
@@ -2398,7 +2398,7 @@
           <a:p>
             <a:fld id="{C7A9FD77-BC61-4EBA-8343-7D70495101BE}" type="datetimeFigureOut">
               <a:rPr lang="en-US" smtClean="0"/>
-              <a:t>5/2/2022</a:t>
+              <a:t>5/3/2022</a:t>
             </a:fld>
             <a:endParaRPr lang="en-US"/>
           </a:p>
@@ -2687,7 +2687,7 @@
           <a:p>
             <a:fld id="{C7A9FD77-BC61-4EBA-8343-7D70495101BE}" type="datetimeFigureOut">
               <a:rPr lang="en-US" smtClean="0"/>
-              <a:t>5/2/2022</a:t>
+              <a:t>5/3/2022</a:t>
             </a:fld>
             <a:endParaRPr lang="en-US"/>
           </a:p>
@@ -2930,7 +2930,7 @@
           <a:p>
             <a:fld id="{C7A9FD77-BC61-4EBA-8343-7D70495101BE}" type="datetimeFigureOut">
               <a:rPr lang="en-US" smtClean="0"/>
-              <a:t>5/2/2022</a:t>
+              <a:t>5/3/2022</a:t>
             </a:fld>
             <a:endParaRPr lang="en-US"/>
           </a:p>
@@ -3566,8 +3566,8 @@
         </p:nvCxnSpPr>
         <p:spPr>
           <a:xfrm flipV="1">
-            <a:off x="5669873" y="3667588"/>
-            <a:ext cx="2669926" cy="134272"/>
+            <a:off x="5716871" y="3676703"/>
+            <a:ext cx="2866501" cy="78822"/>
           </a:xfrm>
           <a:prstGeom prst="line">
             <a:avLst/>
@@ -3731,10 +3731,9 @@
           <a:lstStyle/>
           <a:p>
             <a:r>
-              <a:rPr lang="fr-BE" sz="1000" dirty="0" err="1"/>
-              <a:t>trachea</a:t>
-            </a:r>
-            <a:endParaRPr lang="en-US" sz="1000" dirty="0"/>
+              <a:rPr lang="fr-BE" sz="1000" dirty="0"/>
+              <a:t>pharynx</a:t>
+            </a:r>
           </a:p>
         </p:txBody>
       </p:sp>
@@ -4068,7 +4067,7 @@
                   <a:srgbClr val="FF0000"/>
                 </a:solidFill>
               </a:rPr>
-              <a:t>unqualified</a:t>
+              <a:t>unclassified</a:t>
             </a:r>
             <a:endParaRPr lang="en-US" sz="1200" b="1" dirty="0">
               <a:solidFill>
@@ -4133,7 +4132,7 @@
         <p:spPr>
           <a:xfrm>
             <a:off x="2075740" y="2509589"/>
-            <a:ext cx="1636432" cy="461665"/>
+            <a:ext cx="1636432" cy="276999"/>
           </a:xfrm>
           <a:prstGeom prst="rect">
             <a:avLst/>
@@ -4149,15 +4148,7 @@
             <a:pPr algn="ctr"/>
             <a:r>
               <a:rPr lang="fr-BE" sz="1200" b="1" dirty="0"/>
-              <a:t>2 -  </a:t>
-            </a:r>
-            <a:r>
-              <a:rPr lang="fr-BE" sz="1200" b="1" dirty="0" err="1"/>
-              <a:t>squamocolumnar</a:t>
-            </a:r>
-            <a:r>
-              <a:rPr lang="fr-BE" sz="1200" b="1" dirty="0"/>
-              <a:t> </a:t>
+              <a:t>2 - </a:t>
             </a:r>
             <a:r>
               <a:rPr lang="fr-BE" sz="1200" b="1" dirty="0" err="1"/>
@@ -4181,7 +4172,7 @@
         </p:nvSpPr>
         <p:spPr>
           <a:xfrm>
-            <a:off x="8339799" y="3529088"/>
+            <a:off x="8583372" y="3538203"/>
             <a:ext cx="1477724" cy="276999"/>
           </a:xfrm>
           <a:prstGeom prst="rect">
@@ -4197,19 +4188,7 @@
           <a:p>
             <a:r>
               <a:rPr lang="fr-BE" sz="1200" b="1" dirty="0"/>
-              <a:t>3 -  </a:t>
-            </a:r>
-            <a:r>
-              <a:rPr lang="fr-BE" sz="1200" b="1" dirty="0" err="1"/>
-              <a:t>great</a:t>
-            </a:r>
-            <a:r>
-              <a:rPr lang="fr-BE" sz="1200" b="1" dirty="0"/>
-              <a:t> </a:t>
-            </a:r>
-            <a:r>
-              <a:rPr lang="fr-BE" sz="1200" b="1" dirty="0" err="1"/>
-              <a:t>curvature</a:t>
+              <a:t>3 -  corpus</a:t>
             </a:r>
             <a:endParaRPr lang="en-US" sz="1200" b="1" dirty="0"/>
           </a:p>
@@ -4245,7 +4224,15 @@
           <a:p>
             <a:r>
               <a:rPr lang="fr-BE" sz="1200" b="1" dirty="0"/>
-              <a:t>4 – pylore/antrum</a:t>
+              <a:t>4 – </a:t>
+            </a:r>
+            <a:r>
+              <a:rPr lang="fr-BE" sz="1200" b="1" dirty="0" err="1"/>
+              <a:t>pylorus</a:t>
+            </a:r>
+            <a:r>
+              <a:rPr lang="fr-BE" sz="1200" b="1" dirty="0"/>
+              <a:t>/antrum</a:t>
             </a:r>
             <a:endParaRPr lang="en-US" sz="1200" b="1" dirty="0"/>
           </a:p>
@@ -4490,6 +4477,42 @@
           <a:p>
             <a:pPr algn="ctr"/>
             <a:endParaRPr lang="en-US"/>
+          </a:p>
+        </p:txBody>
+      </p:sp>
+      <p:sp>
+        <p:nvSpPr>
+          <p:cNvPr id="30" name="ZoneTexte 29">
+            <a:extLst>
+              <a:ext uri="{FF2B5EF4-FFF2-40B4-BE49-F238E27FC236}">
+                <a16:creationId xmlns:a16="http://schemas.microsoft.com/office/drawing/2014/main" id="{16F54E96-E715-4FFD-AEA0-D85CC4C29459}"/>
+              </a:ext>
+            </a:extLst>
+          </p:cNvPr>
+          <p:cNvSpPr txBox="1"/>
+          <p:nvPr/>
+        </p:nvSpPr>
+        <p:spPr>
+          <a:xfrm>
+            <a:off x="5345692" y="4145497"/>
+            <a:ext cx="288913" cy="276999"/>
+          </a:xfrm>
+          <a:prstGeom prst="rect">
+            <a:avLst/>
+          </a:prstGeom>
+          <a:noFill/>
+        </p:spPr>
+        <p:txBody>
+          <a:bodyPr wrap="square" rtlCol="0">
+            <a:spAutoFit/>
+          </a:bodyPr>
+          <a:lstStyle/>
+          <a:p>
+            <a:r>
+              <a:rPr lang="fr-BE" sz="1200" b="1" dirty="0"/>
+              <a:t>3</a:t>
+            </a:r>
+            <a:endParaRPr lang="en-US" sz="1200" b="1" dirty="0"/>
           </a:p>
         </p:txBody>
       </p:sp>
